--- a/Apresentação.pptx
+++ b/Apresentação.pptx
@@ -213,7 +213,7 @@
           <a:p>
             <a:fld id="{0A354AF0-72EC-4E71-AEDD-DD2416A91919}" type="datetimeFigureOut">
               <a:rPr lang="pt-BR" smtClean="0"/>
-              <a:t>17/06/2017</a:t>
+              <a:t>19/06/2017</a:t>
             </a:fld>
             <a:endParaRPr lang="pt-BR"/>
           </a:p>
@@ -668,7 +668,7 @@
           <a:p>
             <a:fld id="{95335BBB-9131-4948-A4B3-33A1E6A34759}" type="datetime1">
               <a:rPr lang="en-US" smtClean="0"/>
-              <a:t>6/17/2017</a:t>
+              <a:t>6/19/2017</a:t>
             </a:fld>
             <a:endParaRPr lang="en-US" dirty="0"/>
           </a:p>
@@ -1005,7 +1005,7 @@
           <a:p>
             <a:fld id="{2297E9D1-D3B6-4450-B4E8-D69B4D216E30}" type="datetime1">
               <a:rPr lang="en-US" smtClean="0"/>
-              <a:t>6/17/2017</a:t>
+              <a:t>6/19/2017</a:t>
             </a:fld>
             <a:endParaRPr lang="en-US" dirty="0"/>
           </a:p>
@@ -1405,7 +1405,7 @@
           <a:p>
             <a:fld id="{6C416EE6-5C1E-41E5-A3FE-1F4C9D7400F8}" type="datetime1">
               <a:rPr lang="en-US" smtClean="0"/>
-              <a:t>6/17/2017</a:t>
+              <a:t>6/19/2017</a:t>
             </a:fld>
             <a:endParaRPr lang="en-US" dirty="0"/>
           </a:p>
@@ -1740,7 +1740,7 @@
           <a:p>
             <a:fld id="{19478B05-10D9-48E2-B862-92D578B7CCD3}" type="datetime1">
               <a:rPr lang="en-US" smtClean="0"/>
-              <a:t>6/17/2017</a:t>
+              <a:t>6/19/2017</a:t>
             </a:fld>
             <a:endParaRPr lang="en-US" dirty="0"/>
           </a:p>
@@ -2059,7 +2059,7 @@
           <a:p>
             <a:fld id="{B3EF876A-6615-48D7-B336-671A568271D1}" type="datetime1">
               <a:rPr lang="en-US" smtClean="0"/>
-              <a:t>6/17/2017</a:t>
+              <a:t>6/19/2017</a:t>
             </a:fld>
             <a:endParaRPr lang="en-US" dirty="0"/>
           </a:p>
@@ -2454,7 +2454,7 @@
           <a:p>
             <a:fld id="{B75EC956-578F-4E74-AFAB-373669011ED0}" type="datetime1">
               <a:rPr lang="en-US" smtClean="0"/>
-              <a:t>6/17/2017</a:t>
+              <a:t>6/19/2017</a:t>
             </a:fld>
             <a:endParaRPr lang="en-US" dirty="0"/>
           </a:p>
@@ -2710,7 +2710,7 @@
           <a:p>
             <a:fld id="{FD8BFC72-3444-4A3E-80DE-3D6571C7C608}" type="datetime1">
               <a:rPr lang="en-US" smtClean="0"/>
-              <a:t>6/17/2017</a:t>
+              <a:t>6/19/2017</a:t>
             </a:fld>
             <a:endParaRPr lang="en-US" dirty="0"/>
           </a:p>
@@ -2971,7 +2971,7 @@
           <a:p>
             <a:fld id="{1502DEFE-167D-4AEA-A0B0-F3D01B1D2734}" type="datetime1">
               <a:rPr lang="en-US" smtClean="0"/>
-              <a:t>6/17/2017</a:t>
+              <a:t>6/19/2017</a:t>
             </a:fld>
             <a:endParaRPr lang="en-US" dirty="0"/>
           </a:p>
@@ -3232,7 +3232,7 @@
           <a:p>
             <a:fld id="{CA186482-D886-4A03-A35B-D8490583CCAE}" type="datetime1">
               <a:rPr lang="en-US" smtClean="0"/>
-              <a:t>6/17/2017</a:t>
+              <a:t>6/19/2017</a:t>
             </a:fld>
             <a:endParaRPr lang="en-US" dirty="0"/>
           </a:p>
@@ -3560,7 +3560,7 @@
           <a:p>
             <a:fld id="{F4DD538F-DF17-4C9E-BE17-085355061640}" type="datetime1">
               <a:rPr lang="en-US" smtClean="0"/>
-              <a:t>6/17/2017</a:t>
+              <a:t>6/19/2017</a:t>
             </a:fld>
             <a:endParaRPr lang="en-US" dirty="0"/>
           </a:p>
@@ -3882,7 +3882,7 @@
           <a:p>
             <a:fld id="{06F47C54-C33B-44FC-AC21-7C175F7FB5F3}" type="datetime1">
               <a:rPr lang="en-US" smtClean="0"/>
-              <a:t>6/17/2017</a:t>
+              <a:t>6/19/2017</a:t>
             </a:fld>
             <a:endParaRPr lang="en-US" dirty="0"/>
           </a:p>
@@ -4338,7 +4338,7 @@
           <a:p>
             <a:fld id="{176BE97C-EF74-4082-A17B-0CEB70BAAB57}" type="datetime1">
               <a:rPr lang="en-US" smtClean="0"/>
-              <a:t>6/17/2017</a:t>
+              <a:t>6/19/2017</a:t>
             </a:fld>
             <a:endParaRPr lang="en-US" dirty="0"/>
           </a:p>
@@ -4542,7 +4542,7 @@
           <a:p>
             <a:fld id="{96A5A527-64EC-408E-BD7B-B4F96D355549}" type="datetime1">
               <a:rPr lang="en-US" smtClean="0"/>
-              <a:t>6/17/2017</a:t>
+              <a:t>6/19/2017</a:t>
             </a:fld>
             <a:endParaRPr lang="en-US" dirty="0"/>
           </a:p>
@@ -4718,7 +4718,7 @@
           <a:p>
             <a:fld id="{7D7426B6-C613-4517-8A21-C5328E6F981C}" type="datetime1">
               <a:rPr lang="en-US" smtClean="0"/>
-              <a:t>6/17/2017</a:t>
+              <a:t>6/19/2017</a:t>
             </a:fld>
             <a:endParaRPr lang="en-US" dirty="0"/>
           </a:p>
@@ -5050,7 +5050,7 @@
           <a:p>
             <a:fld id="{D68D1BD5-F1A4-4BF2-9BC5-3FDD4F7AE957}" type="datetime1">
               <a:rPr lang="en-US" smtClean="0"/>
-              <a:t>6/17/2017</a:t>
+              <a:t>6/19/2017</a:t>
             </a:fld>
             <a:endParaRPr lang="en-US" dirty="0"/>
           </a:p>
@@ -5394,7 +5394,7 @@
           <a:p>
             <a:fld id="{F1B2CD02-F835-4631-893D-7E56CFE8204E}" type="datetime1">
               <a:rPr lang="en-US" smtClean="0"/>
-              <a:t>6/17/2017</a:t>
+              <a:t>6/19/2017</a:t>
             </a:fld>
             <a:endParaRPr lang="en-US" dirty="0"/>
           </a:p>
@@ -7510,7 +7510,7 @@
           <a:p>
             <a:fld id="{D8A4D2D7-0F39-4DFB-88B1-1C98E7B75575}" type="datetime1">
               <a:rPr lang="en-US" smtClean="0"/>
-              <a:t>6/17/2017</a:t>
+              <a:t>6/19/2017</a:t>
             </a:fld>
             <a:endParaRPr lang="en-US" dirty="0"/>
           </a:p>
@@ -8095,7 +8095,7 @@
           <p:cNvPr id="4" name="Espaço Reservado para Número de Slide 3">
             <a:extLst>
               <a:ext uri="{FF2B5EF4-FFF2-40B4-BE49-F238E27FC236}">
-                <a16:creationId xmlns:a16="http://schemas.microsoft.com/office/drawing/2014/main" id="{8F9804AB-CEC9-4954-9C52-BB58A7724768}"/>
+                <a16:creationId xmlns:a16="http://schemas.microsoft.com/office/drawing/2014/main" id="{67867A95-C325-482D-A68D-38909B1535C4}"/>
               </a:ext>
             </a:extLst>
           </p:cNvPr>
@@ -8125,7 +8125,7 @@
           <p:cNvPr id="5" name="Título 1">
             <a:extLst>
               <a:ext uri="{FF2B5EF4-FFF2-40B4-BE49-F238E27FC236}">
-                <a16:creationId xmlns:a16="http://schemas.microsoft.com/office/drawing/2014/main" id="{72DDF61F-AA6B-4104-8B07-298270750174}"/>
+                <a16:creationId xmlns:a16="http://schemas.microsoft.com/office/drawing/2014/main" id="{40577E81-AB62-4AEA-BE54-FB604E528626}"/>
               </a:ext>
             </a:extLst>
           </p:cNvPr>
@@ -8234,7 +8234,7 @@
           <p:cNvPr id="6" name="Título 1">
             <a:extLst>
               <a:ext uri="{FF2B5EF4-FFF2-40B4-BE49-F238E27FC236}">
-                <a16:creationId xmlns:a16="http://schemas.microsoft.com/office/drawing/2014/main" id="{669F057C-A2C3-41FC-86FE-9C97B1EE651C}"/>
+                <a16:creationId xmlns:a16="http://schemas.microsoft.com/office/drawing/2014/main" id="{8C8D43EB-29C2-4266-BDB3-57FB6716FE77}"/>
               </a:ext>
             </a:extLst>
           </p:cNvPr>
@@ -8245,7 +8245,7 @@
         </p:nvSpPr>
         <p:spPr>
           <a:xfrm>
-            <a:off x="2266952" y="815636"/>
+            <a:off x="2181245" y="3360053"/>
             <a:ext cx="8911687" cy="807125"/>
           </a:xfrm>
           <a:prstGeom prst="rect">
@@ -8331,9 +8331,10 @@
             </a:lvl9pPr>
           </a:lstStyle>
           <a:p>
-            <a:r>
-              <a:rPr lang="pt-BR" sz="2000" dirty="0"/>
-              <a:t>Diagrama de Classes</a:t>
+            <a:pPr algn="ctr"/>
+            <a:r>
+              <a:rPr lang="pt-BR" sz="3200" dirty="0"/>
+              <a:t>Diagramas:</a:t>
             </a:r>
           </a:p>
         </p:txBody>
@@ -8341,7 +8342,7 @@
     </p:spTree>
     <p:extLst>
       <p:ext uri="{BB962C8B-B14F-4D97-AF65-F5344CB8AC3E}">
-        <p14:creationId xmlns:p14="http://schemas.microsoft.com/office/powerpoint/2010/main" val="3626530682"/>
+        <p14:creationId xmlns:p14="http://schemas.microsoft.com/office/powerpoint/2010/main" val="2744672738"/>
       </p:ext>
     </p:extLst>
   </p:cSld>
@@ -8518,7 +8519,7 @@
         </p:spPr>
         <p:txBody>
           <a:bodyPr>
-            <a:normAutofit fontScale="92500" lnSpcReduction="20000"/>
+            <a:normAutofit fontScale="85000" lnSpcReduction="20000"/>
           </a:bodyPr>
           <a:lstStyle/>
           <a:p>
@@ -8548,7 +8549,7 @@
             </a:pPr>
             <a:r>
               <a:rPr lang="pt-BR" dirty="0"/>
-              <a:t>Cadastro:</a:t>
+              <a:t>Vendas:</a:t>
             </a:r>
           </a:p>
           <a:p>
@@ -8558,7 +8559,7 @@
             </a:pPr>
             <a:r>
               <a:rPr lang="pt-BR" dirty="0"/>
-              <a:t>Cadastro de um produto</a:t>
+              <a:t>Abertura de caixa</a:t>
             </a:r>
           </a:p>
           <a:p>
@@ -8568,7 +8569,27 @@
             </a:pPr>
             <a:r>
               <a:rPr lang="pt-BR" dirty="0"/>
-              <a:t>Definição do preço</a:t>
+              <a:t>Realização de uma venda</a:t>
+            </a:r>
+          </a:p>
+          <a:p>
+            <a:pPr marL="800100" lvl="1" indent="-342900">
+              <a:buFont typeface="+mj-lt"/>
+              <a:buAutoNum type="alphaLcParenR"/>
+            </a:pPr>
+            <a:r>
+              <a:rPr lang="pt-BR" dirty="0"/>
+              <a:t>Fechamento de caixa</a:t>
+            </a:r>
+          </a:p>
+          <a:p>
+            <a:pPr marL="800100" lvl="1" indent="-342900">
+              <a:buFont typeface="+mj-lt"/>
+              <a:buAutoNum type="alphaLcParenR"/>
+            </a:pPr>
+            <a:r>
+              <a:rPr lang="pt-BR" dirty="0"/>
+              <a:t>Consulta  de vendas;</a:t>
             </a:r>
           </a:p>
           <a:p>
@@ -8578,7 +8599,7 @@
             </a:pPr>
             <a:r>
               <a:rPr lang="pt-BR" dirty="0"/>
-              <a:t>Estoque:</a:t>
+              <a:t>Cadastro:</a:t>
             </a:r>
           </a:p>
           <a:p>
@@ -8588,7 +8609,7 @@
             </a:pPr>
             <a:r>
               <a:rPr lang="pt-BR" dirty="0"/>
-              <a:t>Registro de entrada de um produto</a:t>
+              <a:t>Cadastro de um produto</a:t>
             </a:r>
           </a:p>
           <a:p>
@@ -8598,6 +8619,36 @@
             </a:pPr>
             <a:r>
               <a:rPr lang="pt-BR" dirty="0"/>
+              <a:t>Definição do preço</a:t>
+            </a:r>
+          </a:p>
+          <a:p>
+            <a:pPr>
+              <a:buFont typeface="+mj-lt"/>
+              <a:buAutoNum type="arabicParenR"/>
+            </a:pPr>
+            <a:r>
+              <a:rPr lang="pt-BR" dirty="0"/>
+              <a:t>Estoque:</a:t>
+            </a:r>
+          </a:p>
+          <a:p>
+            <a:pPr marL="800100" lvl="1" indent="-342900">
+              <a:buFont typeface="+mj-lt"/>
+              <a:buAutoNum type="alphaLcParenR"/>
+            </a:pPr>
+            <a:r>
+              <a:rPr lang="pt-BR" dirty="0"/>
+              <a:t>Registro de entrada de um produto</a:t>
+            </a:r>
+          </a:p>
+          <a:p>
+            <a:pPr marL="800100" lvl="1" indent="-342900">
+              <a:buFont typeface="+mj-lt"/>
+              <a:buAutoNum type="alphaLcParenR"/>
+            </a:pPr>
+            <a:r>
+              <a:rPr lang="pt-BR" dirty="0"/>
               <a:t>Registro de saída de um produto sem venda</a:t>
             </a:r>
           </a:p>
@@ -8618,56 +8669,6 @@
             </a:pPr>
             <a:r>
               <a:rPr lang="pt-BR" dirty="0"/>
-              <a:t>Vendas:</a:t>
-            </a:r>
-          </a:p>
-          <a:p>
-            <a:pPr marL="800100" lvl="1" indent="-342900">
-              <a:buFont typeface="+mj-lt"/>
-              <a:buAutoNum type="alphaLcParenR"/>
-            </a:pPr>
-            <a:r>
-              <a:rPr lang="pt-BR" dirty="0"/>
-              <a:t>Abertura de caixa</a:t>
-            </a:r>
-          </a:p>
-          <a:p>
-            <a:pPr marL="800100" lvl="1" indent="-342900">
-              <a:buFont typeface="+mj-lt"/>
-              <a:buAutoNum type="alphaLcParenR"/>
-            </a:pPr>
-            <a:r>
-              <a:rPr lang="pt-BR" dirty="0"/>
-              <a:t>Realização de uma venda</a:t>
-            </a:r>
-          </a:p>
-          <a:p>
-            <a:pPr marL="800100" lvl="1" indent="-342900">
-              <a:buFont typeface="+mj-lt"/>
-              <a:buAutoNum type="alphaLcParenR"/>
-            </a:pPr>
-            <a:r>
-              <a:rPr lang="pt-BR" dirty="0"/>
-              <a:t>Fechamento de caixa</a:t>
-            </a:r>
-          </a:p>
-          <a:p>
-            <a:pPr marL="800100" lvl="1" indent="-342900">
-              <a:buFont typeface="+mj-lt"/>
-              <a:buAutoNum type="alphaLcParenR"/>
-            </a:pPr>
-            <a:r>
-              <a:rPr lang="pt-BR" dirty="0"/>
-              <a:t>Consulta  de vendas;</a:t>
-            </a:r>
-          </a:p>
-          <a:p>
-            <a:pPr marL="400050">
-              <a:buFont typeface="+mj-lt"/>
-              <a:buAutoNum type="arabicParenR"/>
-            </a:pPr>
-            <a:r>
-              <a:rPr lang="pt-BR" dirty="0"/>
               <a:t>Geração de relatórios:</a:t>
             </a:r>
           </a:p>
@@ -8689,6 +8690,16 @@
             <a:r>
               <a:rPr lang="pt-BR" dirty="0"/>
               <a:t>Relatório de produtos vendidos</a:t>
+            </a:r>
+          </a:p>
+          <a:p>
+            <a:pPr marL="857250" lvl="1" indent="-342900">
+              <a:buFont typeface="+mj-lt"/>
+              <a:buAutoNum type="alphaLcParenR"/>
+            </a:pPr>
+            <a:r>
+              <a:rPr lang="pt-BR" dirty="0"/>
+              <a:t>Relatório de estoque</a:t>
             </a:r>
           </a:p>
         </p:txBody>
